--- a/docs/images/Joseph Developer diagram .pptx
+++ b/docs/images/Joseph Developer diagram .pptx
@@ -216,7 +216,7 @@
           <a:p>
             <a:fld id="{9629A0FB-7277-41B0-BEC2-EE35F8B0CE39}" type="datetimeFigureOut">
               <a:rPr lang="en-SG" smtClean="0"/>
-              <a:t>23/3/2020</a:t>
+              <a:t>24/3/2020</a:t>
             </a:fld>
             <a:endParaRPr lang="en-SG"/>
           </a:p>
@@ -20840,7 +20840,7 @@
         </p:nvSpPr>
         <p:spPr bwMode="auto">
           <a:xfrm>
-            <a:off x="2327591" y="1711550"/>
+            <a:off x="34730" y="868195"/>
             <a:ext cx="1764738" cy="276999"/>
           </a:xfrm>
           <a:prstGeom prst="rect">
@@ -21076,8 +21076,8 @@
         </p:nvSpPr>
         <p:spPr bwMode="auto">
           <a:xfrm>
-            <a:off x="5214038" y="2269131"/>
-            <a:ext cx="774444" cy="284836"/>
+            <a:off x="4958665" y="2253620"/>
+            <a:ext cx="1090477" cy="276999"/>
           </a:xfrm>
           <a:prstGeom prst="rect">
             <a:avLst/>
@@ -21109,7 +21109,7 @@
                   <a:srgbClr val="7030A0"/>
                 </a:solidFill>
               </a:rPr>
-              <a:t>execute()</a:t>
+              <a:t>execute(stock)</a:t>
             </a:r>
           </a:p>
         </p:txBody>
@@ -22929,10 +22929,10 @@
       </p:cxnSp>
       <p:sp>
         <p:nvSpPr>
-          <p:cNvPr id="73" name="Text Box 25">
+          <p:cNvPr id="71" name="Text Box 25">
             <a:extLst>
               <a:ext uri="{FF2B5EF4-FFF2-40B4-BE49-F238E27FC236}">
-                <a16:creationId xmlns:a16="http://schemas.microsoft.com/office/drawing/2014/main" id="{3E49C462-4001-4BDB-98F6-475C75ABE322}"/>
+                <a16:creationId xmlns:a16="http://schemas.microsoft.com/office/drawing/2014/main" id="{23FA9CF9-4387-424E-9A59-E5357FCA195B}"/>
               </a:ext>
             </a:extLst>
           </p:cNvPr>
@@ -22943,8 +22943,8 @@
         </p:nvSpPr>
         <p:spPr bwMode="auto">
           <a:xfrm>
-            <a:off x="-44169" y="853770"/>
-            <a:ext cx="1764738" cy="276999"/>
+            <a:off x="1900710" y="1513544"/>
+            <a:ext cx="2236595" cy="261610"/>
           </a:xfrm>
           <a:prstGeom prst="rect">
             <a:avLst/>
@@ -22971,20 +22971,36 @@
               <a:buNone/>
             </a:pPr>
             <a:r>
-              <a:rPr lang="en-US" sz="1200" i="1" dirty="0" err="1">
+              <a:rPr lang="en-US" sz="1100" i="1" dirty="0" err="1">
                 <a:solidFill>
                   <a:srgbClr val="7030A0"/>
                 </a:solidFill>
               </a:rPr>
-              <a:t>runCommandUntilExit</a:t>
-            </a:r>
-            <a:r>
-              <a:rPr lang="en-US" sz="1200" i="1" dirty="0">
+              <a:t>SearchStockCommand</a:t>
+            </a:r>
+            <a:r>
+              <a:rPr lang="en-US" sz="1100" i="1" dirty="0">
                 <a:solidFill>
                   <a:srgbClr val="7030A0"/>
                 </a:solidFill>
               </a:rPr>
-              <a:t>()</a:t>
+              <a:t>(</a:t>
+            </a:r>
+            <a:r>
+              <a:rPr lang="en-US" sz="1100" i="1" dirty="0" err="1">
+                <a:solidFill>
+                  <a:srgbClr val="7030A0"/>
+                </a:solidFill>
+              </a:rPr>
+              <a:t>userInput</a:t>
+            </a:r>
+            <a:r>
+              <a:rPr lang="en-US" sz="1100" i="1" dirty="0">
+                <a:solidFill>
+                  <a:srgbClr val="7030A0"/>
+                </a:solidFill>
+              </a:rPr>
+              <a:t>)</a:t>
             </a:r>
           </a:p>
         </p:txBody>
@@ -24197,7 +24213,7 @@
                                           </p:stCondLst>
                                         </p:cTn>
                                         <p:tgtEl>
-                                          <p:spTgt spid="73"/>
+                                          <p:spTgt spid="71"/>
                                         </p:tgtEl>
                                         <p:attrNameLst>
                                           <p:attrName>style.visibility</p:attrName>
@@ -24224,7 +24240,7 @@
                                           </p:stCondLst>
                                         </p:cTn>
                                         <p:tgtEl>
-                                          <p:spTgt spid="73"/>
+                                          <p:spTgt spid="71"/>
                                         </p:tgtEl>
                                         <p:attrNameLst>
                                           <p:attrName>style.visibility</p:attrName>
@@ -24303,8 +24319,8 @@
       <p:bldP spid="68" grpId="1"/>
       <p:bldP spid="69" grpId="0"/>
       <p:bldP spid="69" grpId="1"/>
-      <p:bldP spid="73" grpId="0"/>
-      <p:bldP spid="73" grpId="1"/>
+      <p:bldP spid="71" grpId="0"/>
+      <p:bldP spid="71" grpId="1"/>
     </p:bldLst>
   </p:timing>
 </p:sld>
